--- a/Demo Architecture.pptx
+++ b/Demo Architecture.pptx
@@ -2981,7 +2981,7 @@
         </p:nvSpPr>
         <p:spPr>
           <a:xfrm>
-            <a:off x="3870325" y="3039860"/>
+            <a:off x="3514725" y="3172277"/>
             <a:ext cx="1781175" cy="532758"/>
           </a:xfrm>
           <a:prstGeom prst="roundRect">
@@ -3052,7 +3052,7 @@
         </p:nvSpPr>
         <p:spPr>
           <a:xfrm>
-            <a:off x="9046296" y="1747471"/>
+            <a:off x="8690696" y="1879888"/>
             <a:ext cx="1781175" cy="785676"/>
           </a:xfrm>
           <a:prstGeom prst="roundRect">
@@ -3120,7 +3120,7 @@
         </p:nvSpPr>
         <p:spPr>
           <a:xfrm>
-            <a:off x="9059429" y="1060103"/>
+            <a:off x="8703829" y="1192520"/>
             <a:ext cx="1781175" cy="532758"/>
           </a:xfrm>
           <a:prstGeom prst="roundRect">
@@ -3177,7 +3177,7 @@
         </p:nvSpPr>
         <p:spPr>
           <a:xfrm>
-            <a:off x="9051855" y="262214"/>
+            <a:off x="8696255" y="394631"/>
             <a:ext cx="1781175" cy="532758"/>
           </a:xfrm>
           <a:prstGeom prst="roundRect">
@@ -3239,7 +3239,7 @@
         </p:nvCxnSpPr>
         <p:spPr>
           <a:xfrm flipV="1">
-            <a:off x="9936884" y="838013"/>
+            <a:off x="9581284" y="970430"/>
             <a:ext cx="13132" cy="159753"/>
           </a:xfrm>
           <a:prstGeom prst="straightConnector1">
@@ -3281,7 +3281,7 @@
         </p:nvCxnSpPr>
         <p:spPr>
           <a:xfrm flipV="1">
-            <a:off x="9936884" y="1592861"/>
+            <a:off x="9581284" y="1725278"/>
             <a:ext cx="13133" cy="154610"/>
           </a:xfrm>
           <a:prstGeom prst="straightConnector1">
@@ -3319,7 +3319,7 @@
         </p:nvSpPr>
         <p:spPr>
           <a:xfrm>
-            <a:off x="11301260" y="338414"/>
+            <a:off x="10945660" y="470831"/>
             <a:ext cx="370849" cy="313024"/>
           </a:xfrm>
           <a:prstGeom prst="smileyFace">
@@ -3374,7 +3374,7 @@
         </p:nvCxnSpPr>
         <p:spPr>
           <a:xfrm flipV="1">
-            <a:off x="10945315" y="494926"/>
+            <a:off x="10589715" y="627343"/>
             <a:ext cx="214039" cy="4373"/>
           </a:xfrm>
           <a:prstGeom prst="straightConnector1">
@@ -3413,7 +3413,7 @@
         </p:nvSpPr>
         <p:spPr>
           <a:xfrm>
-            <a:off x="10913063" y="702124"/>
+            <a:off x="10557463" y="834541"/>
             <a:ext cx="1147241" cy="646331"/>
           </a:xfrm>
           <a:prstGeom prst="rect">
@@ -3452,7 +3452,7 @@
         </p:nvSpPr>
         <p:spPr>
           <a:xfrm>
-            <a:off x="335955" y="2710420"/>
+            <a:off x="217168" y="2853582"/>
             <a:ext cx="2051078" cy="1391301"/>
           </a:xfrm>
           <a:prstGeom prst="roundRect">
@@ -3508,7 +3508,7 @@
         </p:nvSpPr>
         <p:spPr>
           <a:xfrm>
-            <a:off x="409660" y="3116235"/>
+            <a:off x="290873" y="3259397"/>
             <a:ext cx="1708318" cy="532758"/>
           </a:xfrm>
           <a:prstGeom prst="roundRect">
@@ -3573,7 +3573,7 @@
         </p:nvCxnSpPr>
         <p:spPr>
           <a:xfrm>
-            <a:off x="2460738" y="3484808"/>
+            <a:off x="2105138" y="3617225"/>
             <a:ext cx="1288410" cy="1"/>
           </a:xfrm>
           <a:prstGeom prst="straightConnector1">
@@ -3611,7 +3611,7 @@
         </p:nvSpPr>
         <p:spPr>
           <a:xfrm>
-            <a:off x="523960" y="3268635"/>
+            <a:off x="405173" y="3411797"/>
             <a:ext cx="1709835" cy="532758"/>
           </a:xfrm>
           <a:prstGeom prst="roundRect">
@@ -3667,7 +3667,7 @@
         </p:nvSpPr>
         <p:spPr>
           <a:xfrm>
-            <a:off x="617627" y="3421035"/>
+            <a:off x="498840" y="3564197"/>
             <a:ext cx="1733599" cy="532758"/>
           </a:xfrm>
           <a:prstGeom prst="roundRect">
@@ -3723,8 +3723,8 @@
         </p:nvSpPr>
         <p:spPr>
           <a:xfrm>
-            <a:off x="11253067" y="2529292"/>
-            <a:ext cx="1147241" cy="923330"/>
+            <a:off x="10911463" y="2641022"/>
+            <a:ext cx="1147241" cy="1200329"/>
           </a:xfrm>
           <a:prstGeom prst="rect">
             <a:avLst/>
@@ -3742,6 +3742,13 @@
             <a:pPr algn="ctr"/>
             <a:r>
               <a:rPr lang="en-US" dirty="0"/>
+              <a:t>Hive</a:t>
+            </a:r>
+          </a:p>
+          <a:p>
+            <a:pPr algn="ctr"/>
+            <a:r>
+              <a:rPr lang="en-US" dirty="0"/>
               <a:t>ODBC/</a:t>
             </a:r>
           </a:p>
@@ -3769,7 +3776,7 @@
         </p:nvSpPr>
         <p:spPr>
           <a:xfrm>
-            <a:off x="3678578" y="4112466"/>
+            <a:off x="3322978" y="4244883"/>
             <a:ext cx="2051078" cy="1391301"/>
           </a:xfrm>
           <a:prstGeom prst="roundRect">
@@ -3825,7 +3832,7 @@
         </p:nvSpPr>
         <p:spPr>
           <a:xfrm>
-            <a:off x="3869801" y="4518281"/>
+            <a:off x="3514201" y="4650698"/>
             <a:ext cx="1439859" cy="532758"/>
           </a:xfrm>
           <a:prstGeom prst="roundRect">
@@ -3881,7 +3888,7 @@
         </p:nvSpPr>
         <p:spPr>
           <a:xfrm>
-            <a:off x="4022201" y="4670681"/>
+            <a:off x="3666601" y="4803098"/>
             <a:ext cx="1439859" cy="532758"/>
           </a:xfrm>
           <a:prstGeom prst="roundRect">
@@ -3937,7 +3944,7 @@
         </p:nvSpPr>
         <p:spPr>
           <a:xfrm>
-            <a:off x="4174601" y="4823081"/>
+            <a:off x="3819001" y="4955498"/>
             <a:ext cx="1439859" cy="532758"/>
           </a:xfrm>
           <a:prstGeom prst="roundRect">
@@ -3995,7 +4002,7 @@
         </p:nvCxnSpPr>
         <p:spPr>
           <a:xfrm flipV="1">
-            <a:off x="5183046" y="3692934"/>
+            <a:off x="4827446" y="3825351"/>
             <a:ext cx="12332" cy="336864"/>
           </a:xfrm>
           <a:prstGeom prst="straightConnector1">
@@ -4035,7 +4042,7 @@
         </p:nvCxnSpPr>
         <p:spPr>
           <a:xfrm flipH="1">
-            <a:off x="4152008" y="3660776"/>
+            <a:off x="3796408" y="3793193"/>
             <a:ext cx="12537" cy="331304"/>
           </a:xfrm>
           <a:prstGeom prst="straightConnector1">
@@ -4073,7 +4080,7 @@
         </p:nvSpPr>
         <p:spPr>
           <a:xfrm>
-            <a:off x="1742418" y="4754251"/>
+            <a:off x="1386818" y="4886668"/>
             <a:ext cx="1289230" cy="710022"/>
           </a:xfrm>
           <a:prstGeom prst="roundRect">
@@ -4133,7 +4140,7 @@
         </p:nvCxnSpPr>
         <p:spPr>
           <a:xfrm>
-            <a:off x="3031648" y="5109262"/>
+            <a:off x="2676048" y="5241679"/>
             <a:ext cx="606353" cy="0"/>
           </a:xfrm>
           <a:prstGeom prst="straightConnector1">
@@ -4171,8 +4178,8 @@
         </p:nvSpPr>
         <p:spPr>
           <a:xfrm>
-            <a:off x="2132857" y="3150967"/>
-            <a:ext cx="1846279" cy="230832"/>
+            <a:off x="1777257" y="3283384"/>
+            <a:ext cx="1846279" cy="369332"/>
           </a:xfrm>
           <a:prstGeom prst="rect">
             <a:avLst/>
@@ -4192,6 +4199,9 @@
               <a:rPr lang="en-GB" sz="900" dirty="0"/>
               <a:t>simulated </a:t>
             </a:r>
+          </a:p>
+          <a:p>
+            <a:pPr algn="ctr"/>
             <a:r>
               <a:rPr lang="en-GB" sz="900" dirty="0" err="1"/>
               <a:t>po</a:t>
@@ -4212,7 +4222,7 @@
         </p:nvSpPr>
         <p:spPr>
           <a:xfrm>
-            <a:off x="4370716" y="3544442"/>
+            <a:off x="4015116" y="3676859"/>
             <a:ext cx="956086" cy="507831"/>
           </a:xfrm>
           <a:prstGeom prst="rect">
@@ -4256,7 +4266,7 @@
         </p:nvSpPr>
         <p:spPr>
           <a:xfrm>
-            <a:off x="3304448" y="3584706"/>
+            <a:off x="2948848" y="3717123"/>
             <a:ext cx="956086" cy="507831"/>
           </a:xfrm>
           <a:prstGeom prst="rect">
@@ -4301,7 +4311,7 @@
         </p:nvSpPr>
         <p:spPr>
           <a:xfrm>
-            <a:off x="6316633" y="1305043"/>
+            <a:off x="5961033" y="1437460"/>
             <a:ext cx="2290071" cy="1371149"/>
           </a:xfrm>
           <a:prstGeom prst="roundRect">
@@ -4357,7 +4367,7 @@
         </p:nvSpPr>
         <p:spPr>
           <a:xfrm>
-            <a:off x="6512154" y="1829101"/>
+            <a:off x="6156554" y="1961518"/>
             <a:ext cx="1781175" cy="532758"/>
           </a:xfrm>
           <a:prstGeom prst="roundRect">
@@ -4415,7 +4425,7 @@
         </p:nvCxnSpPr>
         <p:spPr>
           <a:xfrm flipV="1">
-            <a:off x="5546996" y="2129749"/>
+            <a:off x="5191396" y="2262166"/>
             <a:ext cx="812758" cy="757712"/>
           </a:xfrm>
           <a:prstGeom prst="straightConnector1">
@@ -4455,7 +4465,7 @@
         </p:nvCxnSpPr>
         <p:spPr>
           <a:xfrm flipH="1" flipV="1">
-            <a:off x="8644994" y="2215232"/>
+            <a:off x="8289394" y="2347649"/>
             <a:ext cx="233161" cy="8268"/>
           </a:xfrm>
           <a:prstGeom prst="straightConnector1">
@@ -4491,7 +4501,7 @@
         </p:nvCxnSpPr>
         <p:spPr>
           <a:xfrm flipV="1">
-            <a:off x="10945315" y="2958819"/>
+            <a:off x="10589715" y="3091236"/>
             <a:ext cx="541369" cy="6644"/>
           </a:xfrm>
           <a:prstGeom prst="straightConnector1">
@@ -4536,7 +4546,7 @@
         </p:nvSpPr>
         <p:spPr>
           <a:xfrm>
-            <a:off x="6664554" y="1981501"/>
+            <a:off x="6308954" y="2113918"/>
             <a:ext cx="1781175" cy="532758"/>
           </a:xfrm>
           <a:prstGeom prst="roundRect">
@@ -4598,7 +4608,7 @@
         </p:nvSpPr>
         <p:spPr>
           <a:xfrm>
-            <a:off x="6400871" y="4167986"/>
+            <a:off x="6045271" y="4300403"/>
             <a:ext cx="2290071" cy="1371149"/>
           </a:xfrm>
           <a:prstGeom prst="roundRect">
@@ -4668,7 +4678,7 @@
         </p:nvSpPr>
         <p:spPr>
           <a:xfrm>
-            <a:off x="6600343" y="4591322"/>
+            <a:off x="6244743" y="4723739"/>
             <a:ext cx="1781175" cy="532758"/>
           </a:xfrm>
           <a:prstGeom prst="roundRect">
@@ -4730,7 +4740,7 @@
         </p:nvSpPr>
         <p:spPr>
           <a:xfrm>
-            <a:off x="6752743" y="4743722"/>
+            <a:off x="6397143" y="4876139"/>
             <a:ext cx="1781175" cy="532758"/>
           </a:xfrm>
           <a:prstGeom prst="roundRect">
@@ -4792,7 +4802,7 @@
         </p:nvSpPr>
         <p:spPr>
           <a:xfrm>
-            <a:off x="9051088" y="4548761"/>
+            <a:off x="8695488" y="4681178"/>
             <a:ext cx="1781175" cy="532758"/>
           </a:xfrm>
           <a:prstGeom prst="roundRect">
@@ -4861,7 +4871,7 @@
         </p:nvCxnSpPr>
         <p:spPr>
           <a:xfrm flipH="1" flipV="1">
-            <a:off x="8777483" y="4868459"/>
+            <a:off x="8421883" y="5000876"/>
             <a:ext cx="233161" cy="8268"/>
           </a:xfrm>
           <a:prstGeom prst="straightConnector1">
@@ -4901,7 +4911,7 @@
         </p:nvSpPr>
         <p:spPr>
           <a:xfrm>
-            <a:off x="6368496" y="2730572"/>
+            <a:off x="6012896" y="2862989"/>
             <a:ext cx="2290071" cy="1371149"/>
           </a:xfrm>
           <a:prstGeom prst="roundRect">
@@ -4963,7 +4973,7 @@
         </p:nvSpPr>
         <p:spPr>
           <a:xfrm>
-            <a:off x="6564017" y="3254630"/>
+            <a:off x="6208417" y="3387047"/>
             <a:ext cx="1781175" cy="532758"/>
           </a:xfrm>
           <a:prstGeom prst="roundRect">
@@ -5025,7 +5035,7 @@
         </p:nvSpPr>
         <p:spPr>
           <a:xfrm>
-            <a:off x="6716417" y="3407030"/>
+            <a:off x="6360817" y="3539447"/>
             <a:ext cx="1781175" cy="532758"/>
           </a:xfrm>
           <a:prstGeom prst="roundRect">
@@ -5089,7 +5099,7 @@
         </p:nvCxnSpPr>
         <p:spPr>
           <a:xfrm>
-            <a:off x="5709887" y="3306495"/>
+            <a:off x="5354287" y="3438912"/>
             <a:ext cx="753943" cy="223718"/>
           </a:xfrm>
           <a:prstGeom prst="straightConnector1">
@@ -5133,7 +5143,7 @@
         </p:nvSpPr>
         <p:spPr>
           <a:xfrm>
-            <a:off x="9042825" y="3360622"/>
+            <a:off x="8687225" y="3493039"/>
             <a:ext cx="1781175" cy="532758"/>
           </a:xfrm>
           <a:prstGeom prst="roundRect">
@@ -5197,7 +5207,7 @@
         </p:nvCxnSpPr>
         <p:spPr>
           <a:xfrm flipH="1" flipV="1">
-            <a:off x="8757478" y="3576392"/>
+            <a:off x="8401878" y="3708809"/>
             <a:ext cx="233161" cy="8268"/>
           </a:xfrm>
           <a:prstGeom prst="straightConnector1">
@@ -5237,7 +5247,7 @@
         </p:nvSpPr>
         <p:spPr>
           <a:xfrm>
-            <a:off x="9039776" y="2699084"/>
+            <a:off x="8684176" y="2831501"/>
             <a:ext cx="1781175" cy="532758"/>
           </a:xfrm>
           <a:prstGeom prst="roundRect">
@@ -5304,7 +5314,7 @@
         </p:nvCxnSpPr>
         <p:spPr>
           <a:xfrm flipH="1">
-            <a:off x="9930364" y="2533147"/>
+            <a:off x="9574764" y="2665564"/>
             <a:ext cx="6520" cy="165937"/>
           </a:xfrm>
           <a:prstGeom prst="straightConnector1">
@@ -5344,7 +5354,7 @@
         </p:nvCxnSpPr>
         <p:spPr>
           <a:xfrm>
-            <a:off x="5644507" y="3584660"/>
+            <a:off x="5288907" y="3717077"/>
             <a:ext cx="884071" cy="1128582"/>
           </a:xfrm>
           <a:prstGeom prst="straightConnector1">
@@ -5388,7 +5398,7 @@
         </p:nvSpPr>
         <p:spPr>
           <a:xfrm>
-            <a:off x="6086541" y="5709920"/>
+            <a:off x="5730941" y="5842337"/>
             <a:ext cx="2791613" cy="1015663"/>
           </a:xfrm>
           <a:prstGeom prst="rect">
@@ -5435,7 +5445,7 @@
         </p:nvCxnSpPr>
         <p:spPr>
           <a:xfrm>
-            <a:off x="6969003" y="5464273"/>
+            <a:off x="6613403" y="5596690"/>
             <a:ext cx="1" cy="227262"/>
           </a:xfrm>
           <a:prstGeom prst="straightConnector1">
